--- a/ClassMaterials/Polymorphism/Slides/Polymorphism.pptx
+++ b/ClassMaterials/Polymorphism/Slides/Polymorphism.pptx
@@ -296,7 +296,7 @@
             <a:fld id="{ECBF209B-4218-4079-9616-A9269F4CC73C}" type="datetime1">
               <a:rPr lang="en-US"/>
               <a:pPr/>
-              <a:t>4/18/2018</a:t>
+              <a:t>4/17/2020</a:t>
             </a:fld>
             <a:endParaRPr lang="en-US"/>
           </a:p>
@@ -525,7 +525,7 @@
             <a:fld id="{B559E319-A60F-49C1-A33A-1D7F30BB782C}" type="datetime1">
               <a:rPr lang="en-US"/>
               <a:pPr/>
-              <a:t>4/18/2018</a:t>
+              <a:t>4/17/2020</a:t>
             </a:fld>
             <a:endParaRPr lang="en-US"/>
           </a:p>
@@ -907,7 +907,7 @@
           </a:ln>
           <a:extLst>
             <a:ext uri="{909E8E84-426E-40dd-AFC4-6F175D3DCCD1}">
-              <a14:hiddenFill xmlns="" xmlns:a14="http://schemas.microsoft.com/office/drawing/2010/main">
+              <a14:hiddenFill xmlns:a14="http://schemas.microsoft.com/office/drawing/2010/main" xmlns="">
                 <a:solidFill>
                   <a:srgbClr val="FFFFFF"/>
                 </a:solidFill>
@@ -931,14 +931,14 @@
           <a:ln/>
           <a:extLst>
             <a:ext uri="{909E8E84-426E-40dd-AFC4-6F175D3DCCD1}">
-              <a14:hiddenFill xmlns="" xmlns:a14="http://schemas.microsoft.com/office/drawing/2010/main">
+              <a14:hiddenFill xmlns:a14="http://schemas.microsoft.com/office/drawing/2010/main" xmlns="">
                 <a:solidFill>
                   <a:srgbClr val="FFFFFF"/>
                 </a:solidFill>
               </a14:hiddenFill>
             </a:ext>
             <a:ext uri="{91240B29-F687-4f45-9708-019B960494DF}">
-              <a14:hiddenLine xmlns="" xmlns:a14="http://schemas.microsoft.com/office/drawing/2010/main" w="9525">
+              <a14:hiddenLine xmlns:a14="http://schemas.microsoft.com/office/drawing/2010/main" xmlns="" w="9525">
                 <a:solidFill>
                   <a:srgbClr val="000000"/>
                 </a:solidFill>
@@ -1059,14 +1059,14 @@
           <a:ln/>
           <a:extLst>
             <a:ext uri="{909E8E84-426E-40dd-AFC4-6F175D3DCCD1}">
-              <a14:hiddenFill xmlns="" xmlns:a14="http://schemas.microsoft.com/office/drawing/2010/main">
+              <a14:hiddenFill xmlns:a14="http://schemas.microsoft.com/office/drawing/2010/main" xmlns="">
                 <a:solidFill>
                   <a:srgbClr val="FFFFFF"/>
                 </a:solidFill>
               </a14:hiddenFill>
             </a:ext>
             <a:ext uri="{91240B29-F687-4f45-9708-019B960494DF}">
-              <a14:hiddenLine xmlns="" xmlns:a14="http://schemas.microsoft.com/office/drawing/2010/main" w="9525">
+              <a14:hiddenLine xmlns:a14="http://schemas.microsoft.com/office/drawing/2010/main" xmlns="" w="9525">
                 <a:solidFill>
                   <a:srgbClr val="000000"/>
                 </a:solidFill>
@@ -1253,7 +1253,7 @@
           </a:ln>
           <a:extLst>
             <a:ext uri="{909E8E84-426E-40dd-AFC4-6F175D3DCCD1}">
-              <a14:hiddenFill xmlns="" xmlns:a14="http://schemas.microsoft.com/office/drawing/2010/main">
+              <a14:hiddenFill xmlns:a14="http://schemas.microsoft.com/office/drawing/2010/main" xmlns="">
                 <a:solidFill>
                   <a:srgbClr val="FFFFFF"/>
                 </a:solidFill>
@@ -1277,14 +1277,14 @@
           <a:ln/>
           <a:extLst>
             <a:ext uri="{909E8E84-426E-40dd-AFC4-6F175D3DCCD1}">
-              <a14:hiddenFill xmlns="" xmlns:a14="http://schemas.microsoft.com/office/drawing/2010/main">
+              <a14:hiddenFill xmlns:a14="http://schemas.microsoft.com/office/drawing/2010/main" xmlns="">
                 <a:solidFill>
                   <a:srgbClr val="FFFFFF"/>
                 </a:solidFill>
               </a14:hiddenFill>
             </a:ext>
             <a:ext uri="{91240B29-F687-4f45-9708-019B960494DF}">
-              <a14:hiddenLine xmlns="" xmlns:a14="http://schemas.microsoft.com/office/drawing/2010/main" w="9525">
+              <a14:hiddenLine xmlns:a14="http://schemas.microsoft.com/office/drawing/2010/main" xmlns="" w="9525">
                 <a:solidFill>
                   <a:srgbClr val="000000"/>
                 </a:solidFill>
@@ -1371,14 +1371,14 @@
           <a:ln/>
           <a:extLst>
             <a:ext uri="{909E8E84-426E-40dd-AFC4-6F175D3DCCD1}">
-              <a14:hiddenFill xmlns="" xmlns:a14="http://schemas.microsoft.com/office/drawing/2010/main">
+              <a14:hiddenFill xmlns:a14="http://schemas.microsoft.com/office/drawing/2010/main" xmlns="">
                 <a:solidFill>
                   <a:srgbClr val="FFFFFF"/>
                 </a:solidFill>
               </a14:hiddenFill>
             </a:ext>
             <a:ext uri="{91240B29-F687-4f45-9708-019B960494DF}">
-              <a14:hiddenLine xmlns="" xmlns:a14="http://schemas.microsoft.com/office/drawing/2010/main" w="9525">
+              <a14:hiddenLine xmlns:a14="http://schemas.microsoft.com/office/drawing/2010/main" xmlns="" w="9525">
                 <a:solidFill>
                   <a:srgbClr val="000000"/>
                 </a:solidFill>
@@ -1565,7 +1565,7 @@
           </a:ln>
           <a:extLst>
             <a:ext uri="{909E8E84-426E-40dd-AFC4-6F175D3DCCD1}">
-              <a14:hiddenFill xmlns="" xmlns:a14="http://schemas.microsoft.com/office/drawing/2010/main">
+              <a14:hiddenFill xmlns:a14="http://schemas.microsoft.com/office/drawing/2010/main" xmlns="">
                 <a:solidFill>
                   <a:srgbClr val="FFFFFF"/>
                 </a:solidFill>
@@ -1589,14 +1589,14 @@
           <a:ln/>
           <a:extLst>
             <a:ext uri="{909E8E84-426E-40dd-AFC4-6F175D3DCCD1}">
-              <a14:hiddenFill xmlns="" xmlns:a14="http://schemas.microsoft.com/office/drawing/2010/main">
+              <a14:hiddenFill xmlns:a14="http://schemas.microsoft.com/office/drawing/2010/main" xmlns="">
                 <a:solidFill>
                   <a:srgbClr val="FFFFFF"/>
                 </a:solidFill>
               </a14:hiddenFill>
             </a:ext>
             <a:ext uri="{91240B29-F687-4f45-9708-019B960494DF}">
-              <a14:hiddenLine xmlns="" xmlns:a14="http://schemas.microsoft.com/office/drawing/2010/main" w="9525">
+              <a14:hiddenLine xmlns:a14="http://schemas.microsoft.com/office/drawing/2010/main" xmlns="" w="9525">
                 <a:solidFill>
                   <a:srgbClr val="000000"/>
                 </a:solidFill>
@@ -1917,14 +1917,14 @@
           <a:ln/>
           <a:extLst>
             <a:ext uri="{909E8E84-426E-40dd-AFC4-6F175D3DCCD1}">
-              <a14:hiddenFill xmlns="" xmlns:a14="http://schemas.microsoft.com/office/drawing/2010/main">
+              <a14:hiddenFill xmlns:a14="http://schemas.microsoft.com/office/drawing/2010/main" xmlns="">
                 <a:solidFill>
                   <a:srgbClr val="FFFFFF"/>
                 </a:solidFill>
               </a14:hiddenFill>
             </a:ext>
             <a:ext uri="{91240B29-F687-4f45-9708-019B960494DF}">
-              <a14:hiddenLine xmlns="" xmlns:a14="http://schemas.microsoft.com/office/drawing/2010/main" w="9525">
+              <a14:hiddenLine xmlns:a14="http://schemas.microsoft.com/office/drawing/2010/main" xmlns="" w="9525">
                 <a:solidFill>
                   <a:srgbClr val="000000"/>
                 </a:solidFill>
@@ -2111,7 +2111,7 @@
           </a:ln>
           <a:extLst>
             <a:ext uri="{909E8E84-426E-40dd-AFC4-6F175D3DCCD1}">
-              <a14:hiddenFill xmlns="" xmlns:a14="http://schemas.microsoft.com/office/drawing/2010/main">
+              <a14:hiddenFill xmlns:a14="http://schemas.microsoft.com/office/drawing/2010/main" xmlns="">
                 <a:solidFill>
                   <a:srgbClr val="FFFFFF"/>
                 </a:solidFill>
@@ -2135,14 +2135,14 @@
           <a:ln/>
           <a:extLst>
             <a:ext uri="{909E8E84-426E-40dd-AFC4-6F175D3DCCD1}">
-              <a14:hiddenFill xmlns="" xmlns:a14="http://schemas.microsoft.com/office/drawing/2010/main">
+              <a14:hiddenFill xmlns:a14="http://schemas.microsoft.com/office/drawing/2010/main" xmlns="">
                 <a:solidFill>
                   <a:srgbClr val="FFFFFF"/>
                 </a:solidFill>
               </a14:hiddenFill>
             </a:ext>
             <a:ext uri="{91240B29-F687-4f45-9708-019B960494DF}">
-              <a14:hiddenLine xmlns="" xmlns:a14="http://schemas.microsoft.com/office/drawing/2010/main" w="9525">
+              <a14:hiddenLine xmlns:a14="http://schemas.microsoft.com/office/drawing/2010/main" xmlns="" w="9525">
                 <a:solidFill>
                   <a:srgbClr val="000000"/>
                 </a:solidFill>
@@ -2248,14 +2248,14 @@
           <a:ln/>
           <a:extLst>
             <a:ext uri="{909E8E84-426E-40dd-AFC4-6F175D3DCCD1}">
-              <a14:hiddenFill xmlns="" xmlns:a14="http://schemas.microsoft.com/office/drawing/2010/main">
+              <a14:hiddenFill xmlns:a14="http://schemas.microsoft.com/office/drawing/2010/main" xmlns="">
                 <a:solidFill>
                   <a:srgbClr val="FFFFFF"/>
                 </a:solidFill>
               </a14:hiddenFill>
             </a:ext>
             <a:ext uri="{91240B29-F687-4f45-9708-019B960494DF}">
-              <a14:hiddenLine xmlns="" xmlns:a14="http://schemas.microsoft.com/office/drawing/2010/main" w="9525">
+              <a14:hiddenLine xmlns:a14="http://schemas.microsoft.com/office/drawing/2010/main" xmlns="" w="9525">
                 <a:solidFill>
                   <a:srgbClr val="000000"/>
                 </a:solidFill>
@@ -3835,7 +3835,7 @@
           </a:ln>
           <a:extLst>
             <a:ext uri="{909E8E84-426E-40dd-AFC4-6F175D3DCCD1}">
-              <a14:hiddenFill xmlns="" xmlns:a14="http://schemas.microsoft.com/office/drawing/2010/main">
+              <a14:hiddenFill xmlns:a14="http://schemas.microsoft.com/office/drawing/2010/main" xmlns="">
                 <a:solidFill>
                   <a:srgbClr val="FFFFFF"/>
                 </a:solidFill>
@@ -3859,14 +3859,14 @@
           <a:ln/>
           <a:extLst>
             <a:ext uri="{909E8E84-426E-40dd-AFC4-6F175D3DCCD1}">
-              <a14:hiddenFill xmlns="" xmlns:a14="http://schemas.microsoft.com/office/drawing/2010/main">
+              <a14:hiddenFill xmlns:a14="http://schemas.microsoft.com/office/drawing/2010/main" xmlns="">
                 <a:solidFill>
                   <a:srgbClr val="FFFFFF"/>
                 </a:solidFill>
               </a14:hiddenFill>
             </a:ext>
             <a:ext uri="{91240B29-F687-4f45-9708-019B960494DF}">
-              <a14:hiddenLine xmlns="" xmlns:a14="http://schemas.microsoft.com/office/drawing/2010/main" w="9525">
+              <a14:hiddenLine xmlns:a14="http://schemas.microsoft.com/office/drawing/2010/main" xmlns="" w="9525">
                 <a:solidFill>
                   <a:srgbClr val="000000"/>
                 </a:solidFill>
@@ -4248,7 +4248,7 @@
           </a:ln>
           <a:extLst>
             <a:ext uri="{909E8E84-426E-40dd-AFC4-6F175D3DCCD1}">
-              <a14:hiddenFill xmlns="" xmlns:a14="http://schemas.microsoft.com/office/drawing/2010/main">
+              <a14:hiddenFill xmlns:a14="http://schemas.microsoft.com/office/drawing/2010/main" xmlns="">
                 <a:solidFill>
                   <a:srgbClr val="FFFFFF"/>
                 </a:solidFill>
@@ -4272,14 +4272,14 @@
           <a:ln/>
           <a:extLst>
             <a:ext uri="{909E8E84-426E-40dd-AFC4-6F175D3DCCD1}">
-              <a14:hiddenFill xmlns="" xmlns:a14="http://schemas.microsoft.com/office/drawing/2010/main">
+              <a14:hiddenFill xmlns:a14="http://schemas.microsoft.com/office/drawing/2010/main" xmlns="">
                 <a:solidFill>
                   <a:srgbClr val="FFFFFF"/>
                 </a:solidFill>
               </a14:hiddenFill>
             </a:ext>
             <a:ext uri="{91240B29-F687-4f45-9708-019B960494DF}">
-              <a14:hiddenLine xmlns="" xmlns:a14="http://schemas.microsoft.com/office/drawing/2010/main" w="9525">
+              <a14:hiddenLine xmlns:a14="http://schemas.microsoft.com/office/drawing/2010/main" xmlns="" w="9525">
                 <a:solidFill>
                   <a:srgbClr val="000000"/>
                 </a:solidFill>
@@ -4350,7 +4350,7 @@
           </a:ln>
           <a:extLst>
             <a:ext uri="{909E8E84-426E-40dd-AFC4-6F175D3DCCD1}">
-              <a14:hiddenFill xmlns="" xmlns:a14="http://schemas.microsoft.com/office/drawing/2010/main">
+              <a14:hiddenFill xmlns:a14="http://schemas.microsoft.com/office/drawing/2010/main" xmlns="">
                 <a:solidFill>
                   <a:srgbClr val="FFFFFF"/>
                 </a:solidFill>
@@ -4374,14 +4374,14 @@
           <a:ln/>
           <a:extLst>
             <a:ext uri="{909E8E84-426E-40dd-AFC4-6F175D3DCCD1}">
-              <a14:hiddenFill xmlns="" xmlns:a14="http://schemas.microsoft.com/office/drawing/2010/main">
+              <a14:hiddenFill xmlns:a14="http://schemas.microsoft.com/office/drawing/2010/main" xmlns="">
                 <a:solidFill>
                   <a:srgbClr val="FFFFFF"/>
                 </a:solidFill>
               </a14:hiddenFill>
             </a:ext>
             <a:ext uri="{91240B29-F687-4f45-9708-019B960494DF}">
-              <a14:hiddenLine xmlns="" xmlns:a14="http://schemas.microsoft.com/office/drawing/2010/main" w="9525">
+              <a14:hiddenLine xmlns:a14="http://schemas.microsoft.com/office/drawing/2010/main" xmlns="" w="9525">
                 <a:solidFill>
                   <a:srgbClr val="000000"/>
                 </a:solidFill>
@@ -4433,14 +4433,14 @@
           <a:ln/>
           <a:extLst>
             <a:ext uri="{909E8E84-426E-40dd-AFC4-6F175D3DCCD1}">
-              <a14:hiddenFill xmlns="" xmlns:a14="http://schemas.microsoft.com/office/drawing/2010/main">
+              <a14:hiddenFill xmlns:a14="http://schemas.microsoft.com/office/drawing/2010/main" xmlns="">
                 <a:solidFill>
                   <a:srgbClr val="FFFFFF"/>
                 </a:solidFill>
               </a14:hiddenFill>
             </a:ext>
             <a:ext uri="{91240B29-F687-4f45-9708-019B960494DF}">
-              <a14:hiddenLine xmlns="" xmlns:a14="http://schemas.microsoft.com/office/drawing/2010/main" w="9525">
+              <a14:hiddenLine xmlns:a14="http://schemas.microsoft.com/office/drawing/2010/main" xmlns="" w="9525">
                 <a:solidFill>
                   <a:srgbClr val="000000"/>
                 </a:solidFill>
@@ -4807,7 +4807,7 @@
             <a:fld id="{4F998A34-C17F-4144-B18D-28D9EDD25B8E}" type="datetime1">
               <a:rPr lang="en-US"/>
               <a:pPr/>
-              <a:t>4/18/2018</a:t>
+              <a:t>4/17/2020</a:t>
             </a:fld>
             <a:endParaRPr lang="en-US"/>
           </a:p>
@@ -5028,7 +5028,7 @@
             <a:fld id="{56C527D4-D4E1-4627-B2DD-D20438D659CD}" type="datetime1">
               <a:rPr lang="en-US"/>
               <a:pPr/>
-              <a:t>4/18/2018</a:t>
+              <a:t>4/17/2020</a:t>
             </a:fld>
             <a:endParaRPr lang="en-US"/>
           </a:p>
@@ -5237,7 +5237,7 @@
             <a:fld id="{94E2F403-08D3-4AC5-A4E3-123833600C6A}" type="datetime1">
               <a:rPr lang="en-US"/>
               <a:pPr/>
-              <a:t>4/18/2018</a:t>
+              <a:t>4/17/2020</a:t>
             </a:fld>
             <a:endParaRPr lang="en-US"/>
           </a:p>
@@ -5436,7 +5436,7 @@
             <a:fld id="{786D30A6-83C9-4F95-ACA3-B2BB1DD542CE}" type="datetime1">
               <a:rPr lang="en-US"/>
               <a:pPr/>
-              <a:t>4/18/2018</a:t>
+              <a:t>4/17/2020</a:t>
             </a:fld>
             <a:endParaRPr lang="en-US"/>
           </a:p>
@@ -5813,7 +5813,7 @@
             <a:fld id="{213C1A93-21D8-41D5-AD69-01D2BE5079B6}" type="datetime1">
               <a:rPr lang="en-US"/>
               <a:pPr/>
-              <a:t>4/18/2018</a:t>
+              <a:t>4/17/2020</a:t>
             </a:fld>
             <a:endParaRPr lang="en-US"/>
           </a:p>
@@ -6111,7 +6111,7 @@
             <a:fld id="{255447DE-6436-4341-AB4E-0BA0FA9898A3}" type="datetime1">
               <a:rPr lang="en-US"/>
               <a:pPr/>
-              <a:t>4/18/2018</a:t>
+              <a:t>4/17/2020</a:t>
             </a:fld>
             <a:endParaRPr lang="en-US"/>
           </a:p>
@@ -6555,7 +6555,7 @@
             <a:fld id="{88F5A316-F744-4385-8FDE-64047407295F}" type="datetime1">
               <a:rPr lang="en-US"/>
               <a:pPr/>
-              <a:t>4/18/2018</a:t>
+              <a:t>4/17/2020</a:t>
             </a:fld>
             <a:endParaRPr lang="en-US"/>
           </a:p>
@@ -6707,7 +6707,7 @@
             <a:fld id="{83818973-995F-4078-9072-7FFC81CB1E04}" type="datetime1">
               <a:rPr lang="en-US"/>
               <a:pPr/>
-              <a:t>4/18/2018</a:t>
+              <a:t>4/17/2020</a:t>
             </a:fld>
             <a:endParaRPr lang="en-US"/>
           </a:p>
@@ -6831,7 +6831,7 @@
             <a:fld id="{BF0EEE60-F2F8-4134-AC1E-9DD5C8105591}" type="datetime1">
               <a:rPr lang="en-US"/>
               <a:pPr/>
-              <a:t>4/18/2018</a:t>
+              <a:t>4/17/2020</a:t>
             </a:fld>
             <a:endParaRPr lang="en-US"/>
           </a:p>
@@ -7125,7 +7125,7 @@
             <a:fld id="{3ABF3968-792E-48CF-9F22-05BC6B8559DA}" type="datetime1">
               <a:rPr lang="en-US"/>
               <a:pPr/>
-              <a:t>4/18/2018</a:t>
+              <a:t>4/17/2020</a:t>
             </a:fld>
             <a:endParaRPr lang="en-US"/>
           </a:p>
@@ -7861,7 +7861,7 @@
             <a:fld id="{80927E99-3B54-454C-8CDF-F2F5C2849B92}" type="datetime1">
               <a:rPr lang="en-US"/>
               <a:pPr/>
-              <a:t>4/18/2018</a:t>
+              <a:t>4/17/2020</a:t>
             </a:fld>
             <a:endParaRPr lang="en-US"/>
           </a:p>
@@ -8036,14 +8036,14 @@
           </a:ln>
           <a:extLst>
             <a:ext uri="{909E8E84-426E-40dd-AFC4-6F175D3DCCD1}">
-              <a14:hiddenFill xmlns="" xmlns:a14="http://schemas.microsoft.com/office/drawing/2010/main">
+              <a14:hiddenFill xmlns:a14="http://schemas.microsoft.com/office/drawing/2010/main" xmlns="">
                 <a:solidFill>
                   <a:srgbClr val="FFFFFF"/>
                 </a:solidFill>
               </a14:hiddenFill>
             </a:ext>
             <a:ext uri="{91240B29-F687-4f45-9708-019B960494DF}">
-              <a14:hiddenLine xmlns="" xmlns:a14="http://schemas.microsoft.com/office/drawing/2010/main" w="9525">
+              <a14:hiddenLine xmlns:a14="http://schemas.microsoft.com/office/drawing/2010/main" xmlns="" w="9525">
                 <a:solidFill>
                   <a:srgbClr val="000000"/>
                 </a:solidFill>
@@ -8132,7 +8132,7 @@
             <a:fld id="{6EC5FA0E-C174-4CFB-8CA2-D461EAACEA40}" type="datetime1">
               <a:rPr lang="en-US"/>
               <a:pPr/>
-              <a:t>4/18/2018</a:t>
+              <a:t>4/17/2020</a:t>
             </a:fld>
             <a:endParaRPr lang="en-US"/>
           </a:p>
@@ -8812,9 +8812,10 @@
               <a:t>from </a:t>
             </a:r>
             <a:r>
-              <a:rPr lang="en-US" dirty="0"/>
-              <a:t>SVN</a:t>
-            </a:r>
+              <a:rPr lang="en-US" smtClean="0"/>
+              <a:t>Git</a:t>
+            </a:r>
+            <a:endParaRPr lang="en-US" dirty="0"/>
           </a:p>
         </p:txBody>
       </p:sp>
@@ -14890,15 +14891,7 @@
             <a:pPr lvl="2"/>
             <a:r>
               <a:rPr lang="en-US" dirty="0" smtClean="0"/>
-              <a:t>	The casted type is between </a:t>
-            </a:r>
-            <a:r>
-              <a:rPr lang="en-US" dirty="0" smtClean="0"/>
-              <a:t>Object and the </a:t>
-            </a:r>
-            <a:r>
-              <a:rPr lang="en-US" dirty="0" smtClean="0"/>
-              <a:t>instantiation type </a:t>
+              <a:t>	The casted type is between Object and the instantiation type </a:t>
             </a:r>
           </a:p>
           <a:p>
@@ -15862,7 +15855,7 @@
 </file>
 
 <file path=ppt/slides/slide24.xml><?xml version="1.0" encoding="utf-8"?>
-<p:sld xmlns:a="http://schemas.openxmlformats.org/drawingml/2006/main" xmlns:r="http://schemas.openxmlformats.org/officeDocument/2006/relationships" xmlns:p="http://schemas.openxmlformats.org/presentationml/2006/main">
+<p:sld xmlns:a="http://schemas.openxmlformats.org/drawingml/2006/main" xmlns:r="http://schemas.openxmlformats.org/officeDocument/2006/relationships" xmlns:p="http://schemas.openxmlformats.org/presentationml/2006/main" show="0">
   <p:cSld>
     <p:spTree>
       <p:nvGrpSpPr>
@@ -15900,44 +15893,13 @@
           <a:p>
             <a:r>
               <a:rPr lang="en-US" dirty="0" err="1" smtClean="0"/>
-              <a:t>BallWorlds</a:t>
+              <a:t>ByoGUI</a:t>
             </a:r>
             <a:r>
               <a:rPr lang="en-US" dirty="0" smtClean="0"/>
-              <a:t> </a:t>
-            </a:r>
-            <a:r>
-              <a:rPr lang="en-US" dirty="0" err="1" smtClean="0"/>
-              <a:t>Worktime</a:t>
+              <a:t> Worktime</a:t>
             </a:r>
             <a:endParaRPr lang="en-US" dirty="0"/>
-          </a:p>
-        </p:txBody>
-      </p:sp>
-      <p:sp>
-        <p:nvSpPr>
-          <p:cNvPr id="3" name="Text Placeholder 2"/>
-          <p:cNvSpPr>
-            <a:spLocks noGrp="1"/>
-          </p:cNvSpPr>
-          <p:nvPr>
-            <p:ph type="body" idx="1"/>
-          </p:nvPr>
-        </p:nvSpPr>
-        <p:spPr>
-          <a:xfrm>
-            <a:off x="3962400" y="2895600"/>
-            <a:ext cx="4572000" cy="1454888"/>
-          </a:xfrm>
-        </p:spPr>
-        <p:txBody>
-          <a:bodyPr/>
-          <a:lstStyle/>
-          <a:p>
-            <a:r>
-              <a:rPr lang="en-US" dirty="0" smtClean="0"/>
-              <a:t>Pulsar, Mover, etc.</a:t>
-            </a:r>
           </a:p>
         </p:txBody>
       </p:sp>

--- a/ClassMaterials/Polymorphism/Slides/Polymorphism.pptx
+++ b/ClassMaterials/Polymorphism/Slides/Polymorphism.pptx
@@ -301,7 +301,7 @@
             <a:fld id="{ECBF209B-4218-4079-9616-A9269F4CC73C}" type="datetime1">
               <a:rPr lang="en-US"/>
               <a:pPr/>
-              <a:t>2/6/22</a:t>
+              <a:t>2/24/22</a:t>
             </a:fld>
             <a:endParaRPr lang="en-US"/>
           </a:p>
@@ -530,7 +530,7 @@
             <a:fld id="{B559E319-A60F-49C1-A33A-1D7F30BB782C}" type="datetime1">
               <a:rPr lang="en-US"/>
               <a:pPr/>
-              <a:t>2/6/22</a:t>
+              <a:t>2/24/22</a:t>
             </a:fld>
             <a:endParaRPr lang="en-US"/>
           </a:p>
@@ -910,7 +910,7 @@
           </a:ln>
           <a:extLst>
             <a:ext uri="{909E8E84-426E-40dd-AFC4-6F175D3DCCD1}">
-              <a14:hiddenFill xmlns="" xmlns:a14="http://schemas.microsoft.com/office/drawing/2010/main">
+              <a14:hiddenFill xmlns:a14="http://schemas.microsoft.com/office/drawing/2010/main" xmlns="">
                 <a:solidFill>
                   <a:srgbClr val="FFFFFF"/>
                 </a:solidFill>
@@ -934,14 +934,14 @@
           <a:ln/>
           <a:extLst>
             <a:ext uri="{909E8E84-426E-40dd-AFC4-6F175D3DCCD1}">
-              <a14:hiddenFill xmlns="" xmlns:a14="http://schemas.microsoft.com/office/drawing/2010/main">
+              <a14:hiddenFill xmlns:a14="http://schemas.microsoft.com/office/drawing/2010/main" xmlns="">
                 <a:solidFill>
                   <a:srgbClr val="FFFFFF"/>
                 </a:solidFill>
               </a14:hiddenFill>
             </a:ext>
             <a:ext uri="{91240B29-F687-4f45-9708-019B960494DF}">
-              <a14:hiddenLine xmlns="" xmlns:a14="http://schemas.microsoft.com/office/drawing/2010/main" w="9525">
+              <a14:hiddenLine xmlns:a14="http://schemas.microsoft.com/office/drawing/2010/main" xmlns="" w="9525">
                 <a:solidFill>
                   <a:srgbClr val="000000"/>
                 </a:solidFill>
@@ -1062,14 +1062,14 @@
           <a:ln/>
           <a:extLst>
             <a:ext uri="{909E8E84-426E-40dd-AFC4-6F175D3DCCD1}">
-              <a14:hiddenFill xmlns="" xmlns:a14="http://schemas.microsoft.com/office/drawing/2010/main">
+              <a14:hiddenFill xmlns:a14="http://schemas.microsoft.com/office/drawing/2010/main" xmlns="">
                 <a:solidFill>
                   <a:srgbClr val="FFFFFF"/>
                 </a:solidFill>
               </a14:hiddenFill>
             </a:ext>
             <a:ext uri="{91240B29-F687-4f45-9708-019B960494DF}">
-              <a14:hiddenLine xmlns="" xmlns:a14="http://schemas.microsoft.com/office/drawing/2010/main" w="9525">
+              <a14:hiddenLine xmlns:a14="http://schemas.microsoft.com/office/drawing/2010/main" xmlns="" w="9525">
                 <a:solidFill>
                   <a:srgbClr val="000000"/>
                 </a:solidFill>
@@ -1256,7 +1256,7 @@
           </a:ln>
           <a:extLst>
             <a:ext uri="{909E8E84-426E-40dd-AFC4-6F175D3DCCD1}">
-              <a14:hiddenFill xmlns="" xmlns:a14="http://schemas.microsoft.com/office/drawing/2010/main">
+              <a14:hiddenFill xmlns:a14="http://schemas.microsoft.com/office/drawing/2010/main" xmlns="">
                 <a:solidFill>
                   <a:srgbClr val="FFFFFF"/>
                 </a:solidFill>
@@ -1280,14 +1280,14 @@
           <a:ln/>
           <a:extLst>
             <a:ext uri="{909E8E84-426E-40dd-AFC4-6F175D3DCCD1}">
-              <a14:hiddenFill xmlns="" xmlns:a14="http://schemas.microsoft.com/office/drawing/2010/main">
+              <a14:hiddenFill xmlns:a14="http://schemas.microsoft.com/office/drawing/2010/main" xmlns="">
                 <a:solidFill>
                   <a:srgbClr val="FFFFFF"/>
                 </a:solidFill>
               </a14:hiddenFill>
             </a:ext>
             <a:ext uri="{91240B29-F687-4f45-9708-019B960494DF}">
-              <a14:hiddenLine xmlns="" xmlns:a14="http://schemas.microsoft.com/office/drawing/2010/main" w="9525">
+              <a14:hiddenLine xmlns:a14="http://schemas.microsoft.com/office/drawing/2010/main" xmlns="" w="9525">
                 <a:solidFill>
                   <a:srgbClr val="000000"/>
                 </a:solidFill>
@@ -1358,7 +1358,7 @@
           </a:ln>
           <a:extLst>
             <a:ext uri="{909E8E84-426E-40dd-AFC4-6F175D3DCCD1}">
-              <a14:hiddenFill xmlns="" xmlns:a14="http://schemas.microsoft.com/office/drawing/2010/main">
+              <a14:hiddenFill xmlns:a14="http://schemas.microsoft.com/office/drawing/2010/main" xmlns="">
                 <a:solidFill>
                   <a:srgbClr val="FFFFFF"/>
                 </a:solidFill>
@@ -1382,14 +1382,14 @@
           <a:ln/>
           <a:extLst>
             <a:ext uri="{909E8E84-426E-40dd-AFC4-6F175D3DCCD1}">
-              <a14:hiddenFill xmlns="" xmlns:a14="http://schemas.microsoft.com/office/drawing/2010/main">
+              <a14:hiddenFill xmlns:a14="http://schemas.microsoft.com/office/drawing/2010/main" xmlns="">
                 <a:solidFill>
                   <a:srgbClr val="FFFFFF"/>
                 </a:solidFill>
               </a14:hiddenFill>
             </a:ext>
             <a:ext uri="{91240B29-F687-4f45-9708-019B960494DF}">
-              <a14:hiddenLine xmlns="" xmlns:a14="http://schemas.microsoft.com/office/drawing/2010/main" w="9525">
+              <a14:hiddenLine xmlns:a14="http://schemas.microsoft.com/office/drawing/2010/main" xmlns="" w="9525">
                 <a:solidFill>
                   <a:srgbClr val="000000"/>
                 </a:solidFill>
@@ -1441,14 +1441,14 @@
           <a:ln/>
           <a:extLst>
             <a:ext uri="{909E8E84-426E-40dd-AFC4-6F175D3DCCD1}">
-              <a14:hiddenFill xmlns="" xmlns:a14="http://schemas.microsoft.com/office/drawing/2010/main">
+              <a14:hiddenFill xmlns:a14="http://schemas.microsoft.com/office/drawing/2010/main" xmlns="">
                 <a:solidFill>
                   <a:srgbClr val="FFFFFF"/>
                 </a:solidFill>
               </a14:hiddenFill>
             </a:ext>
             <a:ext uri="{91240B29-F687-4f45-9708-019B960494DF}">
-              <a14:hiddenLine xmlns="" xmlns:a14="http://schemas.microsoft.com/office/drawing/2010/main" w="9525">
+              <a14:hiddenLine xmlns:a14="http://schemas.microsoft.com/office/drawing/2010/main" xmlns="" w="9525">
                 <a:solidFill>
                   <a:srgbClr val="000000"/>
                 </a:solidFill>
@@ -1635,7 +1635,7 @@
           </a:ln>
           <a:extLst>
             <a:ext uri="{909E8E84-426E-40dd-AFC4-6F175D3DCCD1}">
-              <a14:hiddenFill xmlns="" xmlns:a14="http://schemas.microsoft.com/office/drawing/2010/main">
+              <a14:hiddenFill xmlns:a14="http://schemas.microsoft.com/office/drawing/2010/main" xmlns="">
                 <a:solidFill>
                   <a:srgbClr val="FFFFFF"/>
                 </a:solidFill>
@@ -1659,14 +1659,14 @@
           <a:ln/>
           <a:extLst>
             <a:ext uri="{909E8E84-426E-40dd-AFC4-6F175D3DCCD1}">
-              <a14:hiddenFill xmlns="" xmlns:a14="http://schemas.microsoft.com/office/drawing/2010/main">
+              <a14:hiddenFill xmlns:a14="http://schemas.microsoft.com/office/drawing/2010/main" xmlns="">
                 <a:solidFill>
                   <a:srgbClr val="FFFFFF"/>
                 </a:solidFill>
               </a14:hiddenFill>
             </a:ext>
             <a:ext uri="{91240B29-F687-4f45-9708-019B960494DF}">
-              <a14:hiddenLine xmlns="" xmlns:a14="http://schemas.microsoft.com/office/drawing/2010/main" w="9525">
+              <a14:hiddenLine xmlns:a14="http://schemas.microsoft.com/office/drawing/2010/main" xmlns="" w="9525">
                 <a:solidFill>
                   <a:srgbClr val="000000"/>
                 </a:solidFill>
@@ -1753,14 +1753,14 @@
           <a:ln/>
           <a:extLst>
             <a:ext uri="{909E8E84-426E-40dd-AFC4-6F175D3DCCD1}">
-              <a14:hiddenFill xmlns="" xmlns:a14="http://schemas.microsoft.com/office/drawing/2010/main">
+              <a14:hiddenFill xmlns:a14="http://schemas.microsoft.com/office/drawing/2010/main" xmlns="">
                 <a:solidFill>
                   <a:srgbClr val="FFFFFF"/>
                 </a:solidFill>
               </a14:hiddenFill>
             </a:ext>
             <a:ext uri="{91240B29-F687-4f45-9708-019B960494DF}">
-              <a14:hiddenLine xmlns="" xmlns:a14="http://schemas.microsoft.com/office/drawing/2010/main" w="9525">
+              <a14:hiddenLine xmlns:a14="http://schemas.microsoft.com/office/drawing/2010/main" xmlns="" w="9525">
                 <a:solidFill>
                   <a:srgbClr val="000000"/>
                 </a:solidFill>
@@ -1947,7 +1947,7 @@
           </a:ln>
           <a:extLst>
             <a:ext uri="{909E8E84-426E-40dd-AFC4-6F175D3DCCD1}">
-              <a14:hiddenFill xmlns="" xmlns:a14="http://schemas.microsoft.com/office/drawing/2010/main">
+              <a14:hiddenFill xmlns:a14="http://schemas.microsoft.com/office/drawing/2010/main" xmlns="">
                 <a:solidFill>
                   <a:srgbClr val="FFFFFF"/>
                 </a:solidFill>
@@ -1971,14 +1971,14 @@
           <a:ln/>
           <a:extLst>
             <a:ext uri="{909E8E84-426E-40dd-AFC4-6F175D3DCCD1}">
-              <a14:hiddenFill xmlns="" xmlns:a14="http://schemas.microsoft.com/office/drawing/2010/main">
+              <a14:hiddenFill xmlns:a14="http://schemas.microsoft.com/office/drawing/2010/main" xmlns="">
                 <a:solidFill>
                   <a:srgbClr val="FFFFFF"/>
                 </a:solidFill>
               </a14:hiddenFill>
             </a:ext>
             <a:ext uri="{91240B29-F687-4f45-9708-019B960494DF}">
-              <a14:hiddenLine xmlns="" xmlns:a14="http://schemas.microsoft.com/office/drawing/2010/main" w="9525">
+              <a14:hiddenLine xmlns:a14="http://schemas.microsoft.com/office/drawing/2010/main" xmlns="" w="9525">
                 <a:solidFill>
                   <a:srgbClr val="000000"/>
                 </a:solidFill>
@@ -2299,14 +2299,14 @@
           <a:ln/>
           <a:extLst>
             <a:ext uri="{909E8E84-426E-40dd-AFC4-6F175D3DCCD1}">
-              <a14:hiddenFill xmlns="" xmlns:a14="http://schemas.microsoft.com/office/drawing/2010/main">
+              <a14:hiddenFill xmlns:a14="http://schemas.microsoft.com/office/drawing/2010/main" xmlns="">
                 <a:solidFill>
                   <a:srgbClr val="FFFFFF"/>
                 </a:solidFill>
               </a14:hiddenFill>
             </a:ext>
             <a:ext uri="{91240B29-F687-4f45-9708-019B960494DF}">
-              <a14:hiddenLine xmlns="" xmlns:a14="http://schemas.microsoft.com/office/drawing/2010/main" w="9525">
+              <a14:hiddenLine xmlns:a14="http://schemas.microsoft.com/office/drawing/2010/main" xmlns="" w="9525">
                 <a:solidFill>
                   <a:srgbClr val="000000"/>
                 </a:solidFill>
@@ -2493,7 +2493,7 @@
           </a:ln>
           <a:extLst>
             <a:ext uri="{909E8E84-426E-40dd-AFC4-6F175D3DCCD1}">
-              <a14:hiddenFill xmlns="" xmlns:a14="http://schemas.microsoft.com/office/drawing/2010/main">
+              <a14:hiddenFill xmlns:a14="http://schemas.microsoft.com/office/drawing/2010/main" xmlns="">
                 <a:solidFill>
                   <a:srgbClr val="FFFFFF"/>
                 </a:solidFill>
@@ -2517,14 +2517,14 @@
           <a:ln/>
           <a:extLst>
             <a:ext uri="{909E8E84-426E-40dd-AFC4-6F175D3DCCD1}">
-              <a14:hiddenFill xmlns="" xmlns:a14="http://schemas.microsoft.com/office/drawing/2010/main">
+              <a14:hiddenFill xmlns:a14="http://schemas.microsoft.com/office/drawing/2010/main" xmlns="">
                 <a:solidFill>
                   <a:srgbClr val="FFFFFF"/>
                 </a:solidFill>
               </a14:hiddenFill>
             </a:ext>
             <a:ext uri="{91240B29-F687-4f45-9708-019B960494DF}">
-              <a14:hiddenLine xmlns="" xmlns:a14="http://schemas.microsoft.com/office/drawing/2010/main" w="9525">
+              <a14:hiddenLine xmlns:a14="http://schemas.microsoft.com/office/drawing/2010/main" xmlns="" w="9525">
                 <a:solidFill>
                   <a:srgbClr val="000000"/>
                 </a:solidFill>
@@ -2630,14 +2630,14 @@
           <a:ln/>
           <a:extLst>
             <a:ext uri="{909E8E84-426E-40dd-AFC4-6F175D3DCCD1}">
-              <a14:hiddenFill xmlns="" xmlns:a14="http://schemas.microsoft.com/office/drawing/2010/main">
+              <a14:hiddenFill xmlns:a14="http://schemas.microsoft.com/office/drawing/2010/main" xmlns="">
                 <a:solidFill>
                   <a:srgbClr val="FFFFFF"/>
                 </a:solidFill>
               </a14:hiddenFill>
             </a:ext>
             <a:ext uri="{91240B29-F687-4f45-9708-019B960494DF}">
-              <a14:hiddenLine xmlns="" xmlns:a14="http://schemas.microsoft.com/office/drawing/2010/main" w="9525">
+              <a14:hiddenLine xmlns:a14="http://schemas.microsoft.com/office/drawing/2010/main" xmlns="" w="9525">
                 <a:solidFill>
                   <a:srgbClr val="000000"/>
                 </a:solidFill>
@@ -4871,7 +4871,7 @@
           </a:ln>
           <a:extLst>
             <a:ext uri="{909E8E84-426E-40dd-AFC4-6F175D3DCCD1}">
-              <a14:hiddenFill xmlns="" xmlns:a14="http://schemas.microsoft.com/office/drawing/2010/main">
+              <a14:hiddenFill xmlns:a14="http://schemas.microsoft.com/office/drawing/2010/main" xmlns="">
                 <a:solidFill>
                   <a:srgbClr val="FFFFFF"/>
                 </a:solidFill>
@@ -4895,14 +4895,14 @@
           <a:ln/>
           <a:extLst>
             <a:ext uri="{909E8E84-426E-40dd-AFC4-6F175D3DCCD1}">
-              <a14:hiddenFill xmlns="" xmlns:a14="http://schemas.microsoft.com/office/drawing/2010/main">
+              <a14:hiddenFill xmlns:a14="http://schemas.microsoft.com/office/drawing/2010/main" xmlns="">
                 <a:solidFill>
                   <a:srgbClr val="FFFFFF"/>
                 </a:solidFill>
               </a14:hiddenFill>
             </a:ext>
             <a:ext uri="{91240B29-F687-4f45-9708-019B960494DF}">
-              <a14:hiddenLine xmlns="" xmlns:a14="http://schemas.microsoft.com/office/drawing/2010/main" w="9525">
+              <a14:hiddenLine xmlns:a14="http://schemas.microsoft.com/office/drawing/2010/main" xmlns="" w="9525">
                 <a:solidFill>
                   <a:srgbClr val="000000"/>
                 </a:solidFill>
@@ -5449,7 +5449,7 @@
             <a:fld id="{4F998A34-C17F-4144-B18D-28D9EDD25B8E}" type="datetime1">
               <a:rPr lang="en-US"/>
               <a:pPr/>
-              <a:t>2/6/22</a:t>
+              <a:t>2/24/22</a:t>
             </a:fld>
             <a:endParaRPr lang="en-US"/>
           </a:p>
@@ -5661,7 +5661,7 @@
             <a:fld id="{56C527D4-D4E1-4627-B2DD-D20438D659CD}" type="datetime1">
               <a:rPr lang="en-US"/>
               <a:pPr/>
-              <a:t>2/6/22</a:t>
+              <a:t>2/24/22</a:t>
             </a:fld>
             <a:endParaRPr lang="en-US"/>
           </a:p>
@@ -5868,7 +5868,7 @@
             <a:fld id="{94E2F403-08D3-4AC5-A4E3-123833600C6A}" type="datetime1">
               <a:rPr lang="en-US"/>
               <a:pPr/>
-              <a:t>2/6/22</a:t>
+              <a:t>2/24/22</a:t>
             </a:fld>
             <a:endParaRPr lang="en-US"/>
           </a:p>
@@ -6065,7 +6065,7 @@
             <a:fld id="{786D30A6-83C9-4F95-ACA3-B2BB1DD542CE}" type="datetime1">
               <a:rPr lang="en-US"/>
               <a:pPr/>
-              <a:t>2/6/22</a:t>
+              <a:t>2/24/22</a:t>
             </a:fld>
             <a:endParaRPr lang="en-US"/>
           </a:p>
@@ -6441,7 +6441,7 @@
             <a:fld id="{213C1A93-21D8-41D5-AD69-01D2BE5079B6}" type="datetime1">
               <a:rPr lang="en-US"/>
               <a:pPr/>
-              <a:t>2/6/22</a:t>
+              <a:t>2/24/22</a:t>
             </a:fld>
             <a:endParaRPr lang="en-US"/>
           </a:p>
@@ -6736,7 +6736,7 @@
             <a:fld id="{255447DE-6436-4341-AB4E-0BA0FA9898A3}" type="datetime1">
               <a:rPr lang="en-US"/>
               <a:pPr/>
-              <a:t>2/6/22</a:t>
+              <a:t>2/24/22</a:t>
             </a:fld>
             <a:endParaRPr lang="en-US"/>
           </a:p>
@@ -7177,7 +7177,7 @@
             <a:fld id="{88F5A316-F744-4385-8FDE-64047407295F}" type="datetime1">
               <a:rPr lang="en-US"/>
               <a:pPr/>
-              <a:t>2/6/22</a:t>
+              <a:t>2/24/22</a:t>
             </a:fld>
             <a:endParaRPr lang="en-US"/>
           </a:p>
@@ -7328,7 +7328,7 @@
             <a:fld id="{83818973-995F-4078-9072-7FFC81CB1E04}" type="datetime1">
               <a:rPr lang="en-US"/>
               <a:pPr/>
-              <a:t>2/6/22</a:t>
+              <a:t>2/24/22</a:t>
             </a:fld>
             <a:endParaRPr lang="en-US"/>
           </a:p>
@@ -7452,7 +7452,7 @@
             <a:fld id="{BF0EEE60-F2F8-4134-AC1E-9DD5C8105591}" type="datetime1">
               <a:rPr lang="en-US"/>
               <a:pPr/>
-              <a:t>2/6/22</a:t>
+              <a:t>2/24/22</a:t>
             </a:fld>
             <a:endParaRPr lang="en-US"/>
           </a:p>
@@ -7744,7 +7744,7 @@
             <a:fld id="{3ABF3968-792E-48CF-9F22-05BC6B8559DA}" type="datetime1">
               <a:rPr lang="en-US"/>
               <a:pPr/>
-              <a:t>2/6/22</a:t>
+              <a:t>2/24/22</a:t>
             </a:fld>
             <a:endParaRPr lang="en-US"/>
           </a:p>
@@ -8479,7 +8479,7 @@
             <a:fld id="{80927E99-3B54-454C-8CDF-F2F5C2849B92}" type="datetime1">
               <a:rPr lang="en-US"/>
               <a:pPr/>
-              <a:t>2/6/22</a:t>
+              <a:t>2/24/22</a:t>
             </a:fld>
             <a:endParaRPr lang="en-US"/>
           </a:p>
@@ -8653,14 +8653,14 @@
           </a:ln>
           <a:extLst>
             <a:ext uri="{909E8E84-426E-40dd-AFC4-6F175D3DCCD1}">
-              <a14:hiddenFill xmlns="" xmlns:a14="http://schemas.microsoft.com/office/drawing/2010/main">
+              <a14:hiddenFill xmlns:a14="http://schemas.microsoft.com/office/drawing/2010/main" xmlns="">
                 <a:solidFill>
                   <a:srgbClr val="FFFFFF"/>
                 </a:solidFill>
               </a14:hiddenFill>
             </a:ext>
             <a:ext uri="{91240B29-F687-4f45-9708-019B960494DF}">
-              <a14:hiddenLine xmlns="" xmlns:a14="http://schemas.microsoft.com/office/drawing/2010/main" w="9525">
+              <a14:hiddenLine xmlns:a14="http://schemas.microsoft.com/office/drawing/2010/main" xmlns="" w="9525">
                 <a:solidFill>
                   <a:srgbClr val="000000"/>
                 </a:solidFill>
@@ -8749,7 +8749,7 @@
             <a:fld id="{6EC5FA0E-C174-4CFB-8CA2-D461EAACEA40}" type="datetime1">
               <a:rPr lang="en-US"/>
               <a:pPr/>
-              <a:t>2/6/22</a:t>
+              <a:t>2/24/22</a:t>
             </a:fld>
             <a:endParaRPr lang="en-US"/>
           </a:p>
@@ -9368,18 +9368,32 @@
       </p:sp>
       <p:sp>
         <p:nvSpPr>
-          <p:cNvPr id="4" name="TextBox 3"/>
-          <p:cNvSpPr txBox="1"/>
+          <p:cNvPr id="5" name="Rectangle 4">
+            <a:extLst>
+              <a:ext uri="{FF2B5EF4-FFF2-40B4-BE49-F238E27FC236}">
+                <a16:creationId xmlns:a16="http://schemas.microsoft.com/office/drawing/2014/main" id="{C1040F0B-D3BF-5A40-B438-A35FEC81ED2D}"/>
+              </a:ext>
+            </a:extLst>
+          </p:cNvPr>
+          <p:cNvSpPr/>
           <p:nvPr/>
         </p:nvSpPr>
         <p:spPr>
           <a:xfrm>
-            <a:off x="285750" y="6242050"/>
-            <a:ext cx="5314950" cy="369332"/>
+            <a:off x="304800" y="5257800"/>
+            <a:ext cx="8534400" cy="1295400"/>
           </a:xfrm>
           <a:prstGeom prst="rect">
             <a:avLst/>
           </a:prstGeom>
+          <a:solidFill>
+            <a:srgbClr val="9BBB59"/>
+          </a:solidFill>
+          <a:ln w="55000">
+            <a:solidFill>
+              <a:srgbClr val="92D050"/>
+            </a:solidFill>
+          </a:ln>
         </p:spPr>
         <p:style>
           <a:lnRef idx="2">
@@ -9398,31 +9412,55 @@
           </a:fontRef>
         </p:style>
         <p:txBody>
-          <a:bodyPr>
-            <a:spAutoFit/>
-          </a:bodyPr>
+          <a:bodyPr rtlCol="0" anchor="ctr"/>
           <a:lstStyle/>
           <a:p>
-            <a:pPr>
-              <a:defRPr/>
+            <a:r>
+              <a:rPr lang="en-US" sz="2400" dirty="0">
+                <a:solidFill>
+                  <a:srgbClr val="FFFFFF"/>
+                </a:solidFill>
+              </a:rPr>
+              <a:t>The </a:t>
+            </a:r>
+            <a:r>
+              <a:rPr lang="en-US" sz="2400" i="1" dirty="0">
+                <a:solidFill>
+                  <a:srgbClr val="FFFFFF"/>
+                </a:solidFill>
+              </a:rPr>
+              <a:t>git</a:t>
+            </a:r>
+            <a:r>
+              <a:rPr lang="en-US" sz="2400" dirty="0">
+                <a:solidFill>
+                  <a:srgbClr val="FFFFFF"/>
+                </a:solidFill>
+              </a:rPr>
+              <a:t> projects for today are:</a:t>
+            </a:r>
+          </a:p>
+          <a:p>
+            <a:pPr marL="342900" indent="-342900">
+              <a:buFont typeface="Arial" panose="020B0604020202020204" pitchFamily="34" charset="0"/>
+              <a:buChar char="•"/>
             </a:pPr>
             <a:r>
-              <a:rPr lang="en-US" dirty="0"/>
-              <a:t>Check out </a:t>
-            </a:r>
-            <a:r>
-              <a:rPr lang="en-US" i="1" dirty="0"/>
-              <a:t>Polymorphism </a:t>
-            </a:r>
-            <a:r>
-              <a:rPr lang="en-US" dirty="0"/>
-              <a:t>from </a:t>
-            </a:r>
-            <a:r>
-              <a:rPr lang="en-US"/>
-              <a:t>Git</a:t>
-            </a:r>
-            <a:endParaRPr lang="en-US" dirty="0"/>
+              <a:rPr lang="en-US" sz="2400" i="1" dirty="0" err="1"/>
+              <a:t>PracticeIPolymorphism</a:t>
+            </a:r>
+            <a:endParaRPr lang="en-US" sz="2400" i="1" dirty="0"/>
+          </a:p>
+          <a:p>
+            <a:pPr marL="342900" indent="-342900">
+              <a:buFont typeface="Arial" panose="020B0604020202020204" pitchFamily="34" charset="0"/>
+              <a:buChar char="•"/>
+            </a:pPr>
+            <a:r>
+              <a:rPr lang="en-US" sz="2400" i="1" dirty="0" err="1"/>
+              <a:t>PracticeIPolymorphismSolution</a:t>
+            </a:r>
+            <a:endParaRPr lang="en-US" sz="2400" i="1" dirty="0"/>
           </a:p>
         </p:txBody>
       </p:sp>
